--- a/tests/powerpoint/files/template1.pptx
+++ b/tests/powerpoint/files/template1.pptx
@@ -226,6 +226,14 @@
       </a:defRPr>
     </a:lvl9pPr>
   </p:defaultTextStyle>
+  <p:extLst>
+    <p:ext uri="{EFAFB233-063F-42B5-8137-9DF3F51BA10A}">
+      <p15:sldGuideLst xmlns:p15="http://schemas.microsoft.com/office/powerpoint/2012/main"/>
+    </p:ext>
+    <p:ext uri="{2D200454-40CA-4A62-9FC3-DE9A4176ACB9}">
+      <p15:notesGuideLst xmlns:p15="http://schemas.microsoft.com/office/powerpoint/2012/main"/>
+    </p:ext>
+  </p:extLst>
 </p:presentation>
 </file>
 
@@ -317,7 +325,7 @@
           <a:p>
             <a:fld id="{305AD3C7-2DE5-428E-9244-7C83F5BE7FBC}" type="datetimeFigureOut">
               <a:rPr lang="en-US" smtClean="0"/>
-              <a:t>2/23/2017</a:t>
+              <a:t>3/13/2017</a:t>
             </a:fld>
             <a:endParaRPr lang="en-US"/>
           </a:p>
@@ -709,10 +717,9 @@
           <a:lstStyle/>
           <a:p>
             <a:r>
-              <a:rPr lang="en-US" dirty="0" smtClean="0"/>
+              <a:rPr lang="en-US" dirty="0"/>
               <a:t>Click to edit Master title style</a:t>
             </a:r>
-            <a:endParaRPr lang="en-US" dirty="0"/>
           </a:p>
         </p:txBody>
       </p:sp>
@@ -744,18 +751,17 @@
           </a:lstStyle>
           <a:p>
             <a:r>
-              <a:rPr lang="en-US" dirty="0" smtClean="0"/>
+              <a:rPr lang="en-US" dirty="0"/>
               <a:t>{{ </a:t>
             </a:r>
             <a:r>
-              <a:rPr lang="en-US" dirty="0" err="1" smtClean="0"/>
+              <a:rPr lang="en-US" dirty="0" err="1"/>
               <a:t>brand_logo</a:t>
             </a:r>
             <a:r>
-              <a:rPr lang="en-US" dirty="0" smtClean="0"/>
+              <a:rPr lang="en-US" dirty="0"/>
               <a:t> }}</a:t>
             </a:r>
-            <a:endParaRPr lang="en-US" dirty="0"/>
           </a:p>
         </p:txBody>
       </p:sp>
@@ -796,7 +802,7 @@
             <a:spLocks noGrp="1"/>
           </p:cNvSpPr>
           <p:nvPr>
-            <p:ph type="title"/>
+            <p:ph type="title" hasCustomPrompt="1"/>
           </p:nvPr>
         </p:nvSpPr>
         <p:spPr>
@@ -812,56 +818,16 @@
           <a:bodyPr vert="horz" lIns="91440" tIns="45720" rIns="91440" bIns="45720" rtlCol="0" anchor="ctr">
             <a:normAutofit/>
           </a:bodyPr>
-          <a:lstStyle/>
-          <a:p>
-            <a:r>
-              <a:rPr lang="en-US" dirty="0" smtClean="0"/>
-              <a:t>Click to edit Master title style</a:t>
-            </a:r>
-            <a:endParaRPr lang="en-US" dirty="0"/>
-          </a:p>
-        </p:txBody>
-      </p:sp>
-      <p:sp>
-        <p:nvSpPr>
-          <p:cNvPr id="6" name="Picture Placeholder 5"/>
-          <p:cNvSpPr>
-            <a:spLocks noGrp="1"/>
-          </p:cNvSpPr>
-          <p:nvPr>
-            <p:ph type="pic" sz="quarter" idx="10" hasCustomPrompt="1"/>
-          </p:nvPr>
-        </p:nvSpPr>
-        <p:spPr>
-          <a:xfrm>
-            <a:off x="6799106" y="45751"/>
-            <a:ext cx="2286000" cy="457200"/>
-          </a:xfrm>
-          <a:prstGeom prst="rect">
-            <a:avLst/>
-          </a:prstGeom>
-        </p:spPr>
-        <p:txBody>
-          <a:bodyPr lIns="0" tIns="0" rIns="0" bIns="0" anchor="ctr" anchorCtr="0"/>
           <a:lstStyle>
-            <a:lvl1pPr algn="ctr">
+            <a:lvl1pPr>
               <a:defRPr/>
             </a:lvl1pPr>
           </a:lstStyle>
           <a:p>
             <a:r>
-              <a:rPr lang="en-US" dirty="0" smtClean="0"/>
-              <a:t>{{ </a:t>
-            </a:r>
-            <a:r>
-              <a:rPr lang="en-US" dirty="0" err="1" smtClean="0"/>
-              <a:t>brand_logo</a:t>
-            </a:r>
-            <a:r>
-              <a:rPr lang="en-US" dirty="0" smtClean="0"/>
-              <a:t> }}</a:t>
-            </a:r>
-            <a:endParaRPr lang="en-US" dirty="0"/>
+              <a:rPr lang="en-US" dirty="0"/>
+              <a:t>Influencers</a:t>
+            </a:r>
           </a:p>
         </p:txBody>
       </p:sp>
@@ -896,60 +862,17 @@
           <a:p>
             <a:pPr lvl="0"/>
             <a:r>
-              <a:rPr lang="en-US" dirty="0" smtClean="0"/>
+              <a:rPr lang="en-US" dirty="0"/>
               <a:t>{{ </a:t>
             </a:r>
             <a:r>
-              <a:rPr lang="en-US" dirty="0" err="1" smtClean="0"/>
+              <a:rPr lang="en-US" dirty="0" err="1"/>
               <a:t>card.n_paid</a:t>
             </a:r>
             <a:r>
-              <a:rPr lang="en-US" dirty="0" smtClean="0"/>
+              <a:rPr lang="en-US" dirty="0"/>
               <a:t> }} paid posts</a:t>
             </a:r>
-          </a:p>
-        </p:txBody>
-      </p:sp>
-      <p:sp>
-        <p:nvSpPr>
-          <p:cNvPr id="13" name="Picture Placeholder 2"/>
-          <p:cNvSpPr>
-            <a:spLocks noGrp="1"/>
-          </p:cNvSpPr>
-          <p:nvPr>
-            <p:ph type="pic" sz="quarter" idx="15" hasCustomPrompt="1"/>
-          </p:nvPr>
-        </p:nvSpPr>
-        <p:spPr>
-          <a:xfrm>
-            <a:off x="359456" y="1208339"/>
-            <a:ext cx="1371600" cy="1277937"/>
-          </a:xfrm>
-          <a:prstGeom prst="rect">
-            <a:avLst/>
-          </a:prstGeom>
-        </p:spPr>
-        <p:txBody>
-          <a:bodyPr lIns="0" tIns="0" rIns="0" bIns="0" anchor="ctr" anchorCtr="0"/>
-          <a:lstStyle>
-            <a:lvl1pPr algn="ctr">
-              <a:defRPr sz="800" baseline="0"/>
-            </a:lvl1pPr>
-          </a:lstStyle>
-          <a:p>
-            <a:r>
-              <a:rPr lang="en-US" dirty="0" smtClean="0"/>
-              <a:t>{{ </a:t>
-            </a:r>
-            <a:r>
-              <a:rPr lang="en-US" dirty="0" err="1" smtClean="0"/>
-              <a:t>card.image</a:t>
-            </a:r>
-            <a:r>
-              <a:rPr lang="en-US" dirty="0" smtClean="0"/>
-              <a:t> }}</a:t>
-            </a:r>
-            <a:endParaRPr lang="en-US" dirty="0"/>
           </a:p>
         </p:txBody>
       </p:sp>
@@ -982,10 +905,9 @@
           <a:p>
             <a:pPr lvl="0"/>
             <a:r>
-              <a:rPr lang="en-US" dirty="0" smtClean="0"/>
+              <a:rPr lang="en-US" dirty="0"/>
               <a:t>{% pop cards as card %}</a:t>
             </a:r>
-            <a:endParaRPr lang="en-US" dirty="0"/>
           </a:p>
         </p:txBody>
       </p:sp>
@@ -1020,23 +942,23 @@
           <a:p>
             <a:pPr lvl="0"/>
             <a:r>
-              <a:rPr lang="en-US" dirty="0" smtClean="0"/>
+              <a:rPr lang="en-US" dirty="0"/>
               <a:t>{{ </a:t>
             </a:r>
             <a:r>
-              <a:rPr lang="en-US" dirty="0" err="1" smtClean="0"/>
+              <a:rPr lang="en-US" dirty="0" err="1"/>
               <a:t>card.nickname</a:t>
             </a:r>
             <a:r>
-              <a:rPr lang="en-US" dirty="0" smtClean="0"/>
+              <a:rPr lang="en-US" dirty="0"/>
               <a:t> }} ({{ </a:t>
             </a:r>
             <a:r>
-              <a:rPr lang="en-US" dirty="0" err="1" smtClean="0"/>
+              <a:rPr lang="en-US" dirty="0" err="1"/>
               <a:t>card.country_code</a:t>
             </a:r>
             <a:r>
-              <a:rPr lang="en-US" dirty="0" smtClean="0"/>
+              <a:rPr lang="en-US" dirty="0"/>
               <a:t> }})</a:t>
             </a:r>
           </a:p>
@@ -1073,45 +995,45 @@
           <a:p>
             <a:pPr lvl="0"/>
             <a:r>
-              <a:rPr lang="en-US" dirty="0" smtClean="0"/>
+              <a:rPr lang="en-US" dirty="0"/>
               <a:t>{% for post in </a:t>
             </a:r>
             <a:r>
-              <a:rPr lang="en-US" dirty="0" err="1" smtClean="0"/>
+              <a:rPr lang="en-US" dirty="0" err="1"/>
               <a:t>card.paid_posts</a:t>
             </a:r>
             <a:r>
-              <a:rPr lang="en-US" dirty="0" smtClean="0"/>
+              <a:rPr lang="en-US" dirty="0"/>
               <a:t> %}</a:t>
             </a:r>
           </a:p>
           <a:p>
             <a:pPr lvl="0"/>
             <a:r>
-              <a:rPr lang="en-US" dirty="0" smtClean="0"/>
+              <a:rPr lang="en-US" dirty="0"/>
               <a:t>{{ </a:t>
             </a:r>
             <a:r>
-              <a:rPr lang="en-US" dirty="0" err="1" smtClean="0"/>
+              <a:rPr lang="en-US" dirty="0" err="1"/>
               <a:t>post|as_link</a:t>
             </a:r>
             <a:r>
-              <a:rPr lang="en-US" dirty="0" smtClean="0"/>
+              <a:rPr lang="en-US" dirty="0"/>
               <a:t> }}</a:t>
             </a:r>
           </a:p>
           <a:p>
             <a:pPr lvl="0"/>
             <a:r>
-              <a:rPr lang="en-US" dirty="0" smtClean="0"/>
+              <a:rPr lang="en-US" dirty="0"/>
               <a:t>{% </a:t>
             </a:r>
             <a:r>
-              <a:rPr lang="en-US" dirty="0" err="1" smtClean="0"/>
+              <a:rPr lang="en-US" dirty="0" err="1"/>
               <a:t>endfor</a:t>
             </a:r>
             <a:r>
-              <a:rPr lang="en-US" dirty="0" smtClean="0"/>
+              <a:rPr lang="en-US" dirty="0"/>
               <a:t> %}</a:t>
             </a:r>
           </a:p>
@@ -1148,15 +1070,15 @@
           <a:p>
             <a:pPr lvl="0"/>
             <a:r>
-              <a:rPr lang="en-US" dirty="0" smtClean="0"/>
+              <a:rPr lang="en-US" dirty="0"/>
               <a:t>{{ </a:t>
             </a:r>
             <a:r>
-              <a:rPr lang="en-US" dirty="0" err="1" smtClean="0"/>
+              <a:rPr lang="en-US" dirty="0" err="1"/>
               <a:t>card.n_earned</a:t>
             </a:r>
             <a:r>
-              <a:rPr lang="en-US" dirty="0" smtClean="0"/>
+              <a:rPr lang="en-US" dirty="0"/>
               <a:t> }} earned posts</a:t>
             </a:r>
           </a:p>
@@ -1193,45 +1115,45 @@
           <a:p>
             <a:pPr lvl="0"/>
             <a:r>
-              <a:rPr lang="en-US" dirty="0" smtClean="0"/>
+              <a:rPr lang="en-US" dirty="0"/>
               <a:t>{% for post in </a:t>
             </a:r>
             <a:r>
-              <a:rPr lang="en-US" dirty="0" err="1" smtClean="0"/>
+              <a:rPr lang="en-US" dirty="0" err="1"/>
               <a:t>card.earned_posts</a:t>
             </a:r>
             <a:r>
-              <a:rPr lang="en-US" dirty="0" smtClean="0"/>
+              <a:rPr lang="en-US" dirty="0"/>
               <a:t> %}</a:t>
             </a:r>
           </a:p>
           <a:p>
             <a:pPr lvl="0"/>
             <a:r>
-              <a:rPr lang="en-US" dirty="0" smtClean="0"/>
+              <a:rPr lang="en-US" dirty="0"/>
               <a:t>{{ </a:t>
             </a:r>
             <a:r>
-              <a:rPr lang="en-US" dirty="0" err="1" smtClean="0"/>
+              <a:rPr lang="en-US" dirty="0" err="1"/>
               <a:t>post|as_link</a:t>
             </a:r>
             <a:r>
-              <a:rPr lang="en-US" dirty="0" smtClean="0"/>
+              <a:rPr lang="en-US" dirty="0"/>
               <a:t> }}</a:t>
             </a:r>
           </a:p>
           <a:p>
             <a:pPr lvl="0"/>
             <a:r>
-              <a:rPr lang="en-US" dirty="0" smtClean="0"/>
+              <a:rPr lang="en-US" dirty="0"/>
               <a:t>{% </a:t>
             </a:r>
             <a:r>
-              <a:rPr lang="en-US" dirty="0" err="1" smtClean="0"/>
+              <a:rPr lang="en-US" dirty="0" err="1"/>
               <a:t>endfor</a:t>
             </a:r>
             <a:r>
-              <a:rPr lang="en-US" dirty="0" smtClean="0"/>
+              <a:rPr lang="en-US" dirty="0"/>
               <a:t> %}</a:t>
             </a:r>
           </a:p>
@@ -1268,60 +1190,17 @@
           <a:p>
             <a:pPr lvl="0"/>
             <a:r>
-              <a:rPr lang="en-US" dirty="0" smtClean="0"/>
+              <a:rPr lang="en-US" dirty="0"/>
               <a:t>{{ </a:t>
             </a:r>
             <a:r>
-              <a:rPr lang="en-US" dirty="0" err="1" smtClean="0"/>
+              <a:rPr lang="en-US" dirty="0" err="1"/>
               <a:t>card.n_paid</a:t>
             </a:r>
             <a:r>
-              <a:rPr lang="en-US" dirty="0" smtClean="0"/>
+              <a:rPr lang="en-US" dirty="0"/>
               <a:t> }} paid posts</a:t>
             </a:r>
-          </a:p>
-        </p:txBody>
-      </p:sp>
-      <p:sp>
-        <p:nvSpPr>
-          <p:cNvPr id="22" name="Picture Placeholder 2"/>
-          <p:cNvSpPr>
-            <a:spLocks noGrp="1"/>
-          </p:cNvSpPr>
-          <p:nvPr>
-            <p:ph type="pic" sz="quarter" idx="23" hasCustomPrompt="1"/>
-          </p:nvPr>
-        </p:nvSpPr>
-        <p:spPr>
-          <a:xfrm>
-            <a:off x="3276827" y="1208339"/>
-            <a:ext cx="1371600" cy="1277937"/>
-          </a:xfrm>
-          <a:prstGeom prst="rect">
-            <a:avLst/>
-          </a:prstGeom>
-        </p:spPr>
-        <p:txBody>
-          <a:bodyPr lIns="0" tIns="0" rIns="0" bIns="0" anchor="ctr" anchorCtr="0"/>
-          <a:lstStyle>
-            <a:lvl1pPr algn="ctr">
-              <a:defRPr sz="800" baseline="0"/>
-            </a:lvl1pPr>
-          </a:lstStyle>
-          <a:p>
-            <a:r>
-              <a:rPr lang="en-US" dirty="0" smtClean="0"/>
-              <a:t>{{ </a:t>
-            </a:r>
-            <a:r>
-              <a:rPr lang="en-US" dirty="0" err="1" smtClean="0"/>
-              <a:t>card.image</a:t>
-            </a:r>
-            <a:r>
-              <a:rPr lang="en-US" dirty="0" smtClean="0"/>
-              <a:t> }}</a:t>
-            </a:r>
-            <a:endParaRPr lang="en-US" dirty="0"/>
           </a:p>
         </p:txBody>
       </p:sp>
@@ -1354,10 +1233,9 @@
           <a:p>
             <a:pPr lvl="0"/>
             <a:r>
-              <a:rPr lang="en-US" dirty="0" smtClean="0"/>
+              <a:rPr lang="en-US" dirty="0"/>
               <a:t>{% pop cards as card %}</a:t>
             </a:r>
-            <a:endParaRPr lang="en-US" dirty="0"/>
           </a:p>
         </p:txBody>
       </p:sp>
@@ -1392,23 +1270,23 @@
           <a:p>
             <a:pPr lvl="0"/>
             <a:r>
-              <a:rPr lang="en-US" dirty="0" smtClean="0"/>
+              <a:rPr lang="en-US" dirty="0"/>
               <a:t>{{ </a:t>
             </a:r>
             <a:r>
-              <a:rPr lang="en-US" dirty="0" err="1" smtClean="0"/>
+              <a:rPr lang="en-US" dirty="0" err="1"/>
               <a:t>card.nickname</a:t>
             </a:r>
             <a:r>
-              <a:rPr lang="en-US" dirty="0" smtClean="0"/>
+              <a:rPr lang="en-US" dirty="0"/>
               <a:t> }} ({{ </a:t>
             </a:r>
             <a:r>
-              <a:rPr lang="en-US" dirty="0" err="1" smtClean="0"/>
+              <a:rPr lang="en-US" dirty="0" err="1"/>
               <a:t>card.country_code</a:t>
             </a:r>
             <a:r>
-              <a:rPr lang="en-US" dirty="0" smtClean="0"/>
+              <a:rPr lang="en-US" dirty="0"/>
               <a:t> }})</a:t>
             </a:r>
           </a:p>
@@ -1445,45 +1323,45 @@
           <a:p>
             <a:pPr lvl="0"/>
             <a:r>
-              <a:rPr lang="en-US" dirty="0" smtClean="0"/>
+              <a:rPr lang="en-US" dirty="0"/>
               <a:t>{% for post in </a:t>
             </a:r>
             <a:r>
-              <a:rPr lang="en-US" dirty="0" err="1" smtClean="0"/>
+              <a:rPr lang="en-US" dirty="0" err="1"/>
               <a:t>card.paid_posts</a:t>
             </a:r>
             <a:r>
-              <a:rPr lang="en-US" dirty="0" smtClean="0"/>
+              <a:rPr lang="en-US" dirty="0"/>
               <a:t> %}</a:t>
             </a:r>
           </a:p>
           <a:p>
             <a:pPr lvl="0"/>
             <a:r>
-              <a:rPr lang="en-US" dirty="0" smtClean="0"/>
+              <a:rPr lang="en-US" dirty="0"/>
               <a:t>{{ </a:t>
             </a:r>
             <a:r>
-              <a:rPr lang="en-US" dirty="0" err="1" smtClean="0"/>
+              <a:rPr lang="en-US" dirty="0" err="1"/>
               <a:t>post|as_link</a:t>
             </a:r>
             <a:r>
-              <a:rPr lang="en-US" dirty="0" smtClean="0"/>
+              <a:rPr lang="en-US" dirty="0"/>
               <a:t> }}</a:t>
             </a:r>
           </a:p>
           <a:p>
             <a:pPr lvl="0"/>
             <a:r>
-              <a:rPr lang="en-US" dirty="0" smtClean="0"/>
+              <a:rPr lang="en-US" dirty="0"/>
               <a:t>{% </a:t>
             </a:r>
             <a:r>
-              <a:rPr lang="en-US" dirty="0" err="1" smtClean="0"/>
+              <a:rPr lang="en-US" dirty="0" err="1"/>
               <a:t>endfor</a:t>
             </a:r>
             <a:r>
-              <a:rPr lang="en-US" dirty="0" smtClean="0"/>
+              <a:rPr lang="en-US" dirty="0"/>
               <a:t> %}</a:t>
             </a:r>
           </a:p>
@@ -1520,15 +1398,15 @@
           <a:p>
             <a:pPr lvl="0"/>
             <a:r>
-              <a:rPr lang="en-US" dirty="0" smtClean="0"/>
+              <a:rPr lang="en-US" dirty="0"/>
               <a:t>{{ </a:t>
             </a:r>
             <a:r>
-              <a:rPr lang="en-US" dirty="0" err="1" smtClean="0"/>
+              <a:rPr lang="en-US" dirty="0" err="1"/>
               <a:t>card.n_earned</a:t>
             </a:r>
             <a:r>
-              <a:rPr lang="en-US" dirty="0" smtClean="0"/>
+              <a:rPr lang="en-US" dirty="0"/>
               <a:t> }} earned posts</a:t>
             </a:r>
           </a:p>
@@ -1565,45 +1443,45 @@
           <a:p>
             <a:pPr lvl="0"/>
             <a:r>
-              <a:rPr lang="en-US" dirty="0" smtClean="0"/>
+              <a:rPr lang="en-US" dirty="0"/>
               <a:t>{% for post in </a:t>
             </a:r>
             <a:r>
-              <a:rPr lang="en-US" dirty="0" err="1" smtClean="0"/>
+              <a:rPr lang="en-US" dirty="0" err="1"/>
               <a:t>card.earned_posts</a:t>
             </a:r>
             <a:r>
-              <a:rPr lang="en-US" dirty="0" smtClean="0"/>
+              <a:rPr lang="en-US" dirty="0"/>
               <a:t> %}</a:t>
             </a:r>
           </a:p>
           <a:p>
             <a:pPr lvl="0"/>
             <a:r>
-              <a:rPr lang="en-US" dirty="0" smtClean="0"/>
+              <a:rPr lang="en-US" dirty="0"/>
               <a:t>{{ </a:t>
             </a:r>
             <a:r>
-              <a:rPr lang="en-US" dirty="0" err="1" smtClean="0"/>
+              <a:rPr lang="en-US" dirty="0" err="1"/>
               <a:t>post|as_link</a:t>
             </a:r>
             <a:r>
-              <a:rPr lang="en-US" dirty="0" smtClean="0"/>
+              <a:rPr lang="en-US" dirty="0"/>
               <a:t> }}</a:t>
             </a:r>
           </a:p>
           <a:p>
             <a:pPr lvl="0"/>
             <a:r>
-              <a:rPr lang="en-US" dirty="0" smtClean="0"/>
+              <a:rPr lang="en-US" dirty="0"/>
               <a:t>{% </a:t>
             </a:r>
             <a:r>
-              <a:rPr lang="en-US" dirty="0" err="1" smtClean="0"/>
+              <a:rPr lang="en-US" dirty="0" err="1"/>
               <a:t>endfor</a:t>
             </a:r>
             <a:r>
-              <a:rPr lang="en-US" dirty="0" smtClean="0"/>
+              <a:rPr lang="en-US" dirty="0"/>
               <a:t> %}</a:t>
             </a:r>
           </a:p>
@@ -1640,60 +1518,17 @@
           <a:p>
             <a:pPr lvl="0"/>
             <a:r>
-              <a:rPr lang="en-US" dirty="0" smtClean="0"/>
+              <a:rPr lang="en-US" dirty="0"/>
               <a:t>{{ </a:t>
             </a:r>
             <a:r>
-              <a:rPr lang="en-US" dirty="0" err="1" smtClean="0"/>
+              <a:rPr lang="en-US" dirty="0" err="1"/>
               <a:t>card.n_paid</a:t>
             </a:r>
             <a:r>
-              <a:rPr lang="en-US" dirty="0" smtClean="0"/>
+              <a:rPr lang="en-US" dirty="0"/>
               <a:t> }} paid posts</a:t>
             </a:r>
-          </a:p>
-        </p:txBody>
-      </p:sp>
-      <p:sp>
-        <p:nvSpPr>
-          <p:cNvPr id="57" name="Picture Placeholder 2"/>
-          <p:cNvSpPr>
-            <a:spLocks noGrp="1"/>
-          </p:cNvSpPr>
-          <p:nvPr>
-            <p:ph type="pic" sz="quarter" idx="30" hasCustomPrompt="1"/>
-          </p:nvPr>
-        </p:nvSpPr>
-        <p:spPr>
-          <a:xfrm>
-            <a:off x="6194198" y="1208339"/>
-            <a:ext cx="1371600" cy="1277937"/>
-          </a:xfrm>
-          <a:prstGeom prst="rect">
-            <a:avLst/>
-          </a:prstGeom>
-        </p:spPr>
-        <p:txBody>
-          <a:bodyPr lIns="0" tIns="0" rIns="0" bIns="0" anchor="ctr" anchorCtr="0"/>
-          <a:lstStyle>
-            <a:lvl1pPr algn="ctr">
-              <a:defRPr sz="800" baseline="0"/>
-            </a:lvl1pPr>
-          </a:lstStyle>
-          <a:p>
-            <a:r>
-              <a:rPr lang="en-US" dirty="0" smtClean="0"/>
-              <a:t>{{ </a:t>
-            </a:r>
-            <a:r>
-              <a:rPr lang="en-US" dirty="0" err="1" smtClean="0"/>
-              <a:t>card.image</a:t>
-            </a:r>
-            <a:r>
-              <a:rPr lang="en-US" dirty="0" smtClean="0"/>
-              <a:t> }}</a:t>
-            </a:r>
-            <a:endParaRPr lang="en-US" dirty="0"/>
           </a:p>
         </p:txBody>
       </p:sp>
@@ -1726,10 +1561,9 @@
           <a:p>
             <a:pPr lvl="0"/>
             <a:r>
-              <a:rPr lang="en-US" dirty="0" smtClean="0"/>
+              <a:rPr lang="en-US" dirty="0"/>
               <a:t>{% pop cards as card %}</a:t>
             </a:r>
-            <a:endParaRPr lang="en-US" dirty="0"/>
           </a:p>
         </p:txBody>
       </p:sp>
@@ -1764,23 +1598,23 @@
           <a:p>
             <a:pPr lvl="0"/>
             <a:r>
-              <a:rPr lang="en-US" dirty="0" smtClean="0"/>
+              <a:rPr lang="en-US" dirty="0"/>
               <a:t>{{ </a:t>
             </a:r>
             <a:r>
-              <a:rPr lang="en-US" dirty="0" err="1" smtClean="0"/>
+              <a:rPr lang="en-US" dirty="0" err="1"/>
               <a:t>card.nickname</a:t>
             </a:r>
             <a:r>
-              <a:rPr lang="en-US" dirty="0" smtClean="0"/>
+              <a:rPr lang="en-US" dirty="0"/>
               <a:t> }} ({{ </a:t>
             </a:r>
             <a:r>
-              <a:rPr lang="en-US" dirty="0" err="1" smtClean="0"/>
+              <a:rPr lang="en-US" dirty="0" err="1"/>
               <a:t>card.country_code</a:t>
             </a:r>
             <a:r>
-              <a:rPr lang="en-US" dirty="0" smtClean="0"/>
+              <a:rPr lang="en-US" dirty="0"/>
               <a:t> }})</a:t>
             </a:r>
           </a:p>
@@ -1817,45 +1651,45 @@
           <a:p>
             <a:pPr lvl="0"/>
             <a:r>
-              <a:rPr lang="en-US" dirty="0" smtClean="0"/>
+              <a:rPr lang="en-US" dirty="0"/>
               <a:t>{% for post in </a:t>
             </a:r>
             <a:r>
-              <a:rPr lang="en-US" dirty="0" err="1" smtClean="0"/>
+              <a:rPr lang="en-US" dirty="0" err="1"/>
               <a:t>card.paid_posts</a:t>
             </a:r>
             <a:r>
-              <a:rPr lang="en-US" dirty="0" smtClean="0"/>
+              <a:rPr lang="en-US" dirty="0"/>
               <a:t> %}</a:t>
             </a:r>
           </a:p>
           <a:p>
             <a:pPr lvl="0"/>
             <a:r>
-              <a:rPr lang="en-US" dirty="0" smtClean="0"/>
+              <a:rPr lang="en-US" dirty="0"/>
               <a:t>{{ </a:t>
             </a:r>
             <a:r>
-              <a:rPr lang="en-US" dirty="0" err="1" smtClean="0"/>
+              <a:rPr lang="en-US" dirty="0" err="1"/>
               <a:t>post|as_link</a:t>
             </a:r>
             <a:r>
-              <a:rPr lang="en-US" dirty="0" smtClean="0"/>
+              <a:rPr lang="en-US" dirty="0"/>
               <a:t> }}</a:t>
             </a:r>
           </a:p>
           <a:p>
             <a:pPr lvl="0"/>
             <a:r>
-              <a:rPr lang="en-US" dirty="0" smtClean="0"/>
+              <a:rPr lang="en-US" dirty="0"/>
               <a:t>{% </a:t>
             </a:r>
             <a:r>
-              <a:rPr lang="en-US" dirty="0" err="1" smtClean="0"/>
+              <a:rPr lang="en-US" dirty="0" err="1"/>
               <a:t>endfor</a:t>
             </a:r>
             <a:r>
-              <a:rPr lang="en-US" dirty="0" smtClean="0"/>
+              <a:rPr lang="en-US" dirty="0"/>
               <a:t> %}</a:t>
             </a:r>
           </a:p>
@@ -1892,15 +1726,15 @@
           <a:p>
             <a:pPr lvl="0"/>
             <a:r>
-              <a:rPr lang="en-US" dirty="0" smtClean="0"/>
+              <a:rPr lang="en-US" dirty="0"/>
               <a:t>{{ </a:t>
             </a:r>
             <a:r>
-              <a:rPr lang="en-US" dirty="0" err="1" smtClean="0"/>
+              <a:rPr lang="en-US" dirty="0" err="1"/>
               <a:t>card.n_earned</a:t>
             </a:r>
             <a:r>
-              <a:rPr lang="en-US" dirty="0" smtClean="0"/>
+              <a:rPr lang="en-US" dirty="0"/>
               <a:t> }} earned posts</a:t>
             </a:r>
           </a:p>
@@ -1937,45 +1771,45 @@
           <a:p>
             <a:pPr lvl="0"/>
             <a:r>
-              <a:rPr lang="en-US" dirty="0" smtClean="0"/>
+              <a:rPr lang="en-US" dirty="0"/>
               <a:t>{% for post in </a:t>
             </a:r>
             <a:r>
-              <a:rPr lang="en-US" dirty="0" err="1" smtClean="0"/>
+              <a:rPr lang="en-US" dirty="0" err="1"/>
               <a:t>card.earned_posts</a:t>
             </a:r>
             <a:r>
-              <a:rPr lang="en-US" dirty="0" smtClean="0"/>
+              <a:rPr lang="en-US" dirty="0"/>
               <a:t> %}</a:t>
             </a:r>
           </a:p>
           <a:p>
             <a:pPr lvl="0"/>
             <a:r>
-              <a:rPr lang="en-US" dirty="0" smtClean="0"/>
+              <a:rPr lang="en-US" dirty="0"/>
               <a:t>{{ </a:t>
             </a:r>
             <a:r>
-              <a:rPr lang="en-US" dirty="0" err="1" smtClean="0"/>
+              <a:rPr lang="en-US" dirty="0" err="1"/>
               <a:t>post|as_link</a:t>
             </a:r>
             <a:r>
-              <a:rPr lang="en-US" dirty="0" smtClean="0"/>
+              <a:rPr lang="en-US" dirty="0"/>
               <a:t> }}</a:t>
             </a:r>
           </a:p>
           <a:p>
             <a:pPr lvl="0"/>
             <a:r>
-              <a:rPr lang="en-US" dirty="0" smtClean="0"/>
+              <a:rPr lang="en-US" dirty="0"/>
               <a:t>{% </a:t>
             </a:r>
             <a:r>
-              <a:rPr lang="en-US" dirty="0" err="1" smtClean="0"/>
+              <a:rPr lang="en-US" dirty="0" err="1"/>
               <a:t>endfor</a:t>
             </a:r>
             <a:r>
-              <a:rPr lang="en-US" dirty="0" smtClean="0"/>
+              <a:rPr lang="en-US" dirty="0"/>
               <a:t> %}</a:t>
             </a:r>
           </a:p>
@@ -2012,60 +1846,17 @@
           <a:p>
             <a:pPr lvl="0"/>
             <a:r>
-              <a:rPr lang="en-US" dirty="0" smtClean="0"/>
+              <a:rPr lang="en-US" dirty="0"/>
               <a:t>{{ </a:t>
             </a:r>
             <a:r>
-              <a:rPr lang="en-US" dirty="0" err="1" smtClean="0"/>
+              <a:rPr lang="en-US" dirty="0" err="1"/>
               <a:t>card.n_paid</a:t>
             </a:r>
             <a:r>
-              <a:rPr lang="en-US" dirty="0" smtClean="0"/>
+              <a:rPr lang="en-US" dirty="0"/>
               <a:t> }} paid posts</a:t>
             </a:r>
-          </a:p>
-        </p:txBody>
-      </p:sp>
-      <p:sp>
-        <p:nvSpPr>
-          <p:cNvPr id="64" name="Picture Placeholder 2"/>
-          <p:cNvSpPr>
-            <a:spLocks noGrp="1"/>
-          </p:cNvSpPr>
-          <p:nvPr>
-            <p:ph type="pic" sz="quarter" idx="37" hasCustomPrompt="1"/>
-          </p:nvPr>
-        </p:nvSpPr>
-        <p:spPr>
-          <a:xfrm>
-            <a:off x="359456" y="3191664"/>
-            <a:ext cx="1371600" cy="1277937"/>
-          </a:xfrm>
-          <a:prstGeom prst="rect">
-            <a:avLst/>
-          </a:prstGeom>
-        </p:spPr>
-        <p:txBody>
-          <a:bodyPr lIns="0" tIns="0" rIns="0" bIns="0" anchor="ctr" anchorCtr="0"/>
-          <a:lstStyle>
-            <a:lvl1pPr algn="ctr">
-              <a:defRPr sz="800" baseline="0"/>
-            </a:lvl1pPr>
-          </a:lstStyle>
-          <a:p>
-            <a:r>
-              <a:rPr lang="en-US" dirty="0" smtClean="0"/>
-              <a:t>{{ </a:t>
-            </a:r>
-            <a:r>
-              <a:rPr lang="en-US" dirty="0" err="1" smtClean="0"/>
-              <a:t>card.image</a:t>
-            </a:r>
-            <a:r>
-              <a:rPr lang="en-US" dirty="0" smtClean="0"/>
-              <a:t> }}</a:t>
-            </a:r>
-            <a:endParaRPr lang="en-US" dirty="0"/>
           </a:p>
         </p:txBody>
       </p:sp>
@@ -2098,10 +1889,9 @@
           <a:p>
             <a:pPr lvl="0"/>
             <a:r>
-              <a:rPr lang="en-US" dirty="0" smtClean="0"/>
+              <a:rPr lang="en-US" dirty="0"/>
               <a:t>{% pop cards as card %}</a:t>
             </a:r>
-            <a:endParaRPr lang="en-US" dirty="0"/>
           </a:p>
         </p:txBody>
       </p:sp>
@@ -2136,23 +1926,23 @@
           <a:p>
             <a:pPr lvl="0"/>
             <a:r>
-              <a:rPr lang="en-US" dirty="0" smtClean="0"/>
+              <a:rPr lang="en-US" dirty="0"/>
               <a:t>{{ </a:t>
             </a:r>
             <a:r>
-              <a:rPr lang="en-US" dirty="0" err="1" smtClean="0"/>
+              <a:rPr lang="en-US" dirty="0" err="1"/>
               <a:t>card.nickname</a:t>
             </a:r>
             <a:r>
-              <a:rPr lang="en-US" dirty="0" smtClean="0"/>
+              <a:rPr lang="en-US" dirty="0"/>
               <a:t> }} ({{ </a:t>
             </a:r>
             <a:r>
-              <a:rPr lang="en-US" dirty="0" err="1" smtClean="0"/>
+              <a:rPr lang="en-US" dirty="0" err="1"/>
               <a:t>card.country_code</a:t>
             </a:r>
             <a:r>
-              <a:rPr lang="en-US" dirty="0" smtClean="0"/>
+              <a:rPr lang="en-US" dirty="0"/>
               <a:t> }})</a:t>
             </a:r>
           </a:p>
@@ -2189,45 +1979,45 @@
           <a:p>
             <a:pPr lvl="0"/>
             <a:r>
-              <a:rPr lang="en-US" dirty="0" smtClean="0"/>
+              <a:rPr lang="en-US" dirty="0"/>
               <a:t>{% for post in </a:t>
             </a:r>
             <a:r>
-              <a:rPr lang="en-US" dirty="0" err="1" smtClean="0"/>
+              <a:rPr lang="en-US" dirty="0" err="1"/>
               <a:t>card.paid_posts</a:t>
             </a:r>
             <a:r>
-              <a:rPr lang="en-US" dirty="0" smtClean="0"/>
+              <a:rPr lang="en-US" dirty="0"/>
               <a:t> %}</a:t>
             </a:r>
           </a:p>
           <a:p>
             <a:pPr lvl="0"/>
             <a:r>
-              <a:rPr lang="en-US" dirty="0" smtClean="0"/>
+              <a:rPr lang="en-US" dirty="0"/>
               <a:t>{{ </a:t>
             </a:r>
             <a:r>
-              <a:rPr lang="en-US" dirty="0" err="1" smtClean="0"/>
+              <a:rPr lang="en-US" dirty="0" err="1"/>
               <a:t>post|as_link</a:t>
             </a:r>
             <a:r>
-              <a:rPr lang="en-US" dirty="0" smtClean="0"/>
+              <a:rPr lang="en-US" dirty="0"/>
               <a:t> }}</a:t>
             </a:r>
           </a:p>
           <a:p>
             <a:pPr lvl="0"/>
             <a:r>
-              <a:rPr lang="en-US" dirty="0" smtClean="0"/>
+              <a:rPr lang="en-US" dirty="0"/>
               <a:t>{% </a:t>
             </a:r>
             <a:r>
-              <a:rPr lang="en-US" dirty="0" err="1" smtClean="0"/>
+              <a:rPr lang="en-US" dirty="0" err="1"/>
               <a:t>endfor</a:t>
             </a:r>
             <a:r>
-              <a:rPr lang="en-US" dirty="0" smtClean="0"/>
+              <a:rPr lang="en-US" dirty="0"/>
               <a:t> %}</a:t>
             </a:r>
           </a:p>
@@ -2264,15 +2054,15 @@
           <a:p>
             <a:pPr lvl="0"/>
             <a:r>
-              <a:rPr lang="en-US" dirty="0" smtClean="0"/>
+              <a:rPr lang="en-US" dirty="0"/>
               <a:t>{{ </a:t>
             </a:r>
             <a:r>
-              <a:rPr lang="en-US" dirty="0" err="1" smtClean="0"/>
+              <a:rPr lang="en-US" dirty="0" err="1"/>
               <a:t>card.n_earned</a:t>
             </a:r>
             <a:r>
-              <a:rPr lang="en-US" dirty="0" smtClean="0"/>
+              <a:rPr lang="en-US" dirty="0"/>
               <a:t> }} earned posts</a:t>
             </a:r>
           </a:p>
@@ -2309,45 +2099,45 @@
           <a:p>
             <a:pPr lvl="0"/>
             <a:r>
-              <a:rPr lang="en-US" dirty="0" smtClean="0"/>
+              <a:rPr lang="en-US" dirty="0"/>
               <a:t>{% for post in </a:t>
             </a:r>
             <a:r>
-              <a:rPr lang="en-US" dirty="0" err="1" smtClean="0"/>
+              <a:rPr lang="en-US" dirty="0" err="1"/>
               <a:t>card.earned_posts</a:t>
             </a:r>
             <a:r>
-              <a:rPr lang="en-US" dirty="0" smtClean="0"/>
+              <a:rPr lang="en-US" dirty="0"/>
               <a:t> %}</a:t>
             </a:r>
           </a:p>
           <a:p>
             <a:pPr lvl="0"/>
             <a:r>
-              <a:rPr lang="en-US" dirty="0" smtClean="0"/>
+              <a:rPr lang="en-US" dirty="0"/>
               <a:t>{{ </a:t>
             </a:r>
             <a:r>
-              <a:rPr lang="en-US" dirty="0" err="1" smtClean="0"/>
+              <a:rPr lang="en-US" dirty="0" err="1"/>
               <a:t>post|as_link</a:t>
             </a:r>
             <a:r>
-              <a:rPr lang="en-US" dirty="0" smtClean="0"/>
+              <a:rPr lang="en-US" dirty="0"/>
               <a:t> }}</a:t>
             </a:r>
           </a:p>
           <a:p>
             <a:pPr lvl="0"/>
             <a:r>
-              <a:rPr lang="en-US" dirty="0" smtClean="0"/>
+              <a:rPr lang="en-US" dirty="0"/>
               <a:t>{% </a:t>
             </a:r>
             <a:r>
-              <a:rPr lang="en-US" dirty="0" err="1" smtClean="0"/>
+              <a:rPr lang="en-US" dirty="0" err="1"/>
               <a:t>endfor</a:t>
             </a:r>
             <a:r>
-              <a:rPr lang="en-US" dirty="0" smtClean="0"/>
+              <a:rPr lang="en-US" dirty="0"/>
               <a:t> %}</a:t>
             </a:r>
           </a:p>
@@ -2384,60 +2174,17 @@
           <a:p>
             <a:pPr lvl="0"/>
             <a:r>
-              <a:rPr lang="en-US" dirty="0" smtClean="0"/>
+              <a:rPr lang="en-US" dirty="0"/>
               <a:t>{{ </a:t>
             </a:r>
             <a:r>
-              <a:rPr lang="en-US" dirty="0" err="1" smtClean="0"/>
+              <a:rPr lang="en-US" dirty="0" err="1"/>
               <a:t>card.n_paid</a:t>
             </a:r>
             <a:r>
-              <a:rPr lang="en-US" dirty="0" smtClean="0"/>
+              <a:rPr lang="en-US" dirty="0"/>
               <a:t> }} paid posts</a:t>
             </a:r>
-          </a:p>
-        </p:txBody>
-      </p:sp>
-      <p:sp>
-        <p:nvSpPr>
-          <p:cNvPr id="71" name="Picture Placeholder 2"/>
-          <p:cNvSpPr>
-            <a:spLocks noGrp="1"/>
-          </p:cNvSpPr>
-          <p:nvPr>
-            <p:ph type="pic" sz="quarter" idx="44" hasCustomPrompt="1"/>
-          </p:nvPr>
-        </p:nvSpPr>
-        <p:spPr>
-          <a:xfrm>
-            <a:off x="3276827" y="3191664"/>
-            <a:ext cx="1371600" cy="1277937"/>
-          </a:xfrm>
-          <a:prstGeom prst="rect">
-            <a:avLst/>
-          </a:prstGeom>
-        </p:spPr>
-        <p:txBody>
-          <a:bodyPr lIns="0" tIns="0" rIns="0" bIns="0" anchor="ctr" anchorCtr="0"/>
-          <a:lstStyle>
-            <a:lvl1pPr algn="ctr">
-              <a:defRPr sz="800" baseline="0"/>
-            </a:lvl1pPr>
-          </a:lstStyle>
-          <a:p>
-            <a:r>
-              <a:rPr lang="en-US" dirty="0" smtClean="0"/>
-              <a:t>{{ </a:t>
-            </a:r>
-            <a:r>
-              <a:rPr lang="en-US" dirty="0" err="1" smtClean="0"/>
-              <a:t>card.image</a:t>
-            </a:r>
-            <a:r>
-              <a:rPr lang="en-US" dirty="0" smtClean="0"/>
-              <a:t> }}</a:t>
-            </a:r>
-            <a:endParaRPr lang="en-US" dirty="0"/>
           </a:p>
         </p:txBody>
       </p:sp>
@@ -2470,10 +2217,9 @@
           <a:p>
             <a:pPr lvl="0"/>
             <a:r>
-              <a:rPr lang="en-US" dirty="0" smtClean="0"/>
+              <a:rPr lang="en-US" dirty="0"/>
               <a:t>{% pop cards as card %}</a:t>
             </a:r>
-            <a:endParaRPr lang="en-US" dirty="0"/>
           </a:p>
         </p:txBody>
       </p:sp>
@@ -2508,23 +2254,23 @@
           <a:p>
             <a:pPr lvl="0"/>
             <a:r>
-              <a:rPr lang="en-US" dirty="0" smtClean="0"/>
+              <a:rPr lang="en-US" dirty="0"/>
               <a:t>{{ </a:t>
             </a:r>
             <a:r>
-              <a:rPr lang="en-US" dirty="0" err="1" smtClean="0"/>
+              <a:rPr lang="en-US" dirty="0" err="1"/>
               <a:t>card.nickname</a:t>
             </a:r>
             <a:r>
-              <a:rPr lang="en-US" dirty="0" smtClean="0"/>
+              <a:rPr lang="en-US" dirty="0"/>
               <a:t> }} ({{ </a:t>
             </a:r>
             <a:r>
-              <a:rPr lang="en-US" dirty="0" err="1" smtClean="0"/>
+              <a:rPr lang="en-US" dirty="0" err="1"/>
               <a:t>card.country_code</a:t>
             </a:r>
             <a:r>
-              <a:rPr lang="en-US" dirty="0" smtClean="0"/>
+              <a:rPr lang="en-US" dirty="0"/>
               <a:t> }})</a:t>
             </a:r>
           </a:p>
@@ -2561,45 +2307,45 @@
           <a:p>
             <a:pPr lvl="0"/>
             <a:r>
-              <a:rPr lang="en-US" dirty="0" smtClean="0"/>
+              <a:rPr lang="en-US" dirty="0"/>
               <a:t>{% for post in </a:t>
             </a:r>
             <a:r>
-              <a:rPr lang="en-US" dirty="0" err="1" smtClean="0"/>
+              <a:rPr lang="en-US" dirty="0" err="1"/>
               <a:t>card.paid_posts</a:t>
             </a:r>
             <a:r>
-              <a:rPr lang="en-US" dirty="0" smtClean="0"/>
+              <a:rPr lang="en-US" dirty="0"/>
               <a:t> %}</a:t>
             </a:r>
           </a:p>
           <a:p>
             <a:pPr lvl="0"/>
             <a:r>
-              <a:rPr lang="en-US" dirty="0" smtClean="0"/>
+              <a:rPr lang="en-US" dirty="0"/>
               <a:t>{{ </a:t>
             </a:r>
             <a:r>
-              <a:rPr lang="en-US" dirty="0" err="1" smtClean="0"/>
+              <a:rPr lang="en-US" dirty="0" err="1"/>
               <a:t>post|as_link</a:t>
             </a:r>
             <a:r>
-              <a:rPr lang="en-US" dirty="0" smtClean="0"/>
+              <a:rPr lang="en-US" dirty="0"/>
               <a:t> }}</a:t>
             </a:r>
           </a:p>
           <a:p>
             <a:pPr lvl="0"/>
             <a:r>
-              <a:rPr lang="en-US" dirty="0" smtClean="0"/>
+              <a:rPr lang="en-US" dirty="0"/>
               <a:t>{% </a:t>
             </a:r>
             <a:r>
-              <a:rPr lang="en-US" dirty="0" err="1" smtClean="0"/>
+              <a:rPr lang="en-US" dirty="0" err="1"/>
               <a:t>endfor</a:t>
             </a:r>
             <a:r>
-              <a:rPr lang="en-US" dirty="0" smtClean="0"/>
+              <a:rPr lang="en-US" dirty="0"/>
               <a:t> %}</a:t>
             </a:r>
           </a:p>
@@ -2636,15 +2382,15 @@
           <a:p>
             <a:pPr lvl="0"/>
             <a:r>
-              <a:rPr lang="en-US" dirty="0" smtClean="0"/>
+              <a:rPr lang="en-US" dirty="0"/>
               <a:t>{{ </a:t>
             </a:r>
             <a:r>
-              <a:rPr lang="en-US" dirty="0" err="1" smtClean="0"/>
+              <a:rPr lang="en-US" dirty="0" err="1"/>
               <a:t>card.n_earned</a:t>
             </a:r>
             <a:r>
-              <a:rPr lang="en-US" dirty="0" smtClean="0"/>
+              <a:rPr lang="en-US" dirty="0"/>
               <a:t> }} earned posts</a:t>
             </a:r>
           </a:p>
@@ -2681,45 +2427,45 @@
           <a:p>
             <a:pPr lvl="0"/>
             <a:r>
-              <a:rPr lang="en-US" dirty="0" smtClean="0"/>
+              <a:rPr lang="en-US" dirty="0"/>
               <a:t>{% for post in </a:t>
             </a:r>
             <a:r>
-              <a:rPr lang="en-US" dirty="0" err="1" smtClean="0"/>
+              <a:rPr lang="en-US" dirty="0" err="1"/>
               <a:t>card.earned_posts</a:t>
             </a:r>
             <a:r>
-              <a:rPr lang="en-US" dirty="0" smtClean="0"/>
+              <a:rPr lang="en-US" dirty="0"/>
               <a:t> %}</a:t>
             </a:r>
           </a:p>
           <a:p>
             <a:pPr lvl="0"/>
             <a:r>
-              <a:rPr lang="en-US" dirty="0" smtClean="0"/>
+              <a:rPr lang="en-US" dirty="0"/>
               <a:t>{{ </a:t>
             </a:r>
             <a:r>
-              <a:rPr lang="en-US" dirty="0" err="1" smtClean="0"/>
+              <a:rPr lang="en-US" dirty="0" err="1"/>
               <a:t>post|as_link</a:t>
             </a:r>
             <a:r>
-              <a:rPr lang="en-US" dirty="0" smtClean="0"/>
+              <a:rPr lang="en-US" dirty="0"/>
               <a:t> }}</a:t>
             </a:r>
           </a:p>
           <a:p>
             <a:pPr lvl="0"/>
             <a:r>
-              <a:rPr lang="en-US" dirty="0" smtClean="0"/>
+              <a:rPr lang="en-US" dirty="0"/>
               <a:t>{% </a:t>
             </a:r>
             <a:r>
-              <a:rPr lang="en-US" dirty="0" err="1" smtClean="0"/>
+              <a:rPr lang="en-US" dirty="0" err="1"/>
               <a:t>endfor</a:t>
             </a:r>
             <a:r>
-              <a:rPr lang="en-US" dirty="0" smtClean="0"/>
+              <a:rPr lang="en-US" dirty="0"/>
               <a:t> %}</a:t>
             </a:r>
           </a:p>
@@ -2756,60 +2502,17 @@
           <a:p>
             <a:pPr lvl="0"/>
             <a:r>
-              <a:rPr lang="en-US" dirty="0" smtClean="0"/>
+              <a:rPr lang="en-US" dirty="0"/>
               <a:t>{{ </a:t>
             </a:r>
             <a:r>
-              <a:rPr lang="en-US" dirty="0" err="1" smtClean="0"/>
+              <a:rPr lang="en-US" dirty="0" err="1"/>
               <a:t>card.n_paid</a:t>
             </a:r>
             <a:r>
-              <a:rPr lang="en-US" dirty="0" smtClean="0"/>
+              <a:rPr lang="en-US" dirty="0"/>
               <a:t> }} paid posts</a:t>
             </a:r>
-          </a:p>
-        </p:txBody>
-      </p:sp>
-      <p:sp>
-        <p:nvSpPr>
-          <p:cNvPr id="78" name="Picture Placeholder 2"/>
-          <p:cNvSpPr>
-            <a:spLocks noGrp="1"/>
-          </p:cNvSpPr>
-          <p:nvPr>
-            <p:ph type="pic" sz="quarter" idx="51" hasCustomPrompt="1"/>
-          </p:nvPr>
-        </p:nvSpPr>
-        <p:spPr>
-          <a:xfrm>
-            <a:off x="6194198" y="3191664"/>
-            <a:ext cx="1371600" cy="1277937"/>
-          </a:xfrm>
-          <a:prstGeom prst="rect">
-            <a:avLst/>
-          </a:prstGeom>
-        </p:spPr>
-        <p:txBody>
-          <a:bodyPr lIns="0" tIns="0" rIns="0" bIns="0" anchor="ctr" anchorCtr="0"/>
-          <a:lstStyle>
-            <a:lvl1pPr algn="ctr">
-              <a:defRPr sz="800" baseline="0"/>
-            </a:lvl1pPr>
-          </a:lstStyle>
-          <a:p>
-            <a:r>
-              <a:rPr lang="en-US" dirty="0" smtClean="0"/>
-              <a:t>{{ </a:t>
-            </a:r>
-            <a:r>
-              <a:rPr lang="en-US" dirty="0" err="1" smtClean="0"/>
-              <a:t>card.image</a:t>
-            </a:r>
-            <a:r>
-              <a:rPr lang="en-US" dirty="0" smtClean="0"/>
-              <a:t> }}</a:t>
-            </a:r>
-            <a:endParaRPr lang="en-US" dirty="0"/>
           </a:p>
         </p:txBody>
       </p:sp>
@@ -2842,10 +2545,9 @@
           <a:p>
             <a:pPr lvl="0"/>
             <a:r>
-              <a:rPr lang="en-US" dirty="0" smtClean="0"/>
+              <a:rPr lang="en-US" dirty="0"/>
               <a:t>{% pop cards as card %}</a:t>
             </a:r>
-            <a:endParaRPr lang="en-US" dirty="0"/>
           </a:p>
         </p:txBody>
       </p:sp>
@@ -2880,23 +2582,23 @@
           <a:p>
             <a:pPr lvl="0"/>
             <a:r>
-              <a:rPr lang="en-US" dirty="0" smtClean="0"/>
+              <a:rPr lang="en-US" dirty="0"/>
               <a:t>{{ </a:t>
             </a:r>
             <a:r>
-              <a:rPr lang="en-US" dirty="0" err="1" smtClean="0"/>
+              <a:rPr lang="en-US" dirty="0" err="1"/>
               <a:t>card.nickname</a:t>
             </a:r>
             <a:r>
-              <a:rPr lang="en-US" dirty="0" smtClean="0"/>
+              <a:rPr lang="en-US" dirty="0"/>
               <a:t> }} ({{ </a:t>
             </a:r>
             <a:r>
-              <a:rPr lang="en-US" dirty="0" err="1" smtClean="0"/>
+              <a:rPr lang="en-US" dirty="0" err="1"/>
               <a:t>card.country_code</a:t>
             </a:r>
             <a:r>
-              <a:rPr lang="en-US" dirty="0" smtClean="0"/>
+              <a:rPr lang="en-US" dirty="0"/>
               <a:t> }})</a:t>
             </a:r>
           </a:p>
@@ -2933,45 +2635,45 @@
           <a:p>
             <a:pPr lvl="0"/>
             <a:r>
-              <a:rPr lang="en-US" dirty="0" smtClean="0"/>
+              <a:rPr lang="en-US" dirty="0"/>
               <a:t>{% for post in </a:t>
             </a:r>
             <a:r>
-              <a:rPr lang="en-US" dirty="0" err="1" smtClean="0"/>
+              <a:rPr lang="en-US" dirty="0" err="1"/>
               <a:t>card.paid_posts</a:t>
             </a:r>
             <a:r>
-              <a:rPr lang="en-US" dirty="0" smtClean="0"/>
+              <a:rPr lang="en-US" dirty="0"/>
               <a:t> %}</a:t>
             </a:r>
           </a:p>
           <a:p>
             <a:pPr lvl="0"/>
             <a:r>
-              <a:rPr lang="en-US" dirty="0" smtClean="0"/>
+              <a:rPr lang="en-US" dirty="0"/>
               <a:t>{{ </a:t>
             </a:r>
             <a:r>
-              <a:rPr lang="en-US" dirty="0" err="1" smtClean="0"/>
+              <a:rPr lang="en-US" dirty="0" err="1"/>
               <a:t>post|as_link</a:t>
             </a:r>
             <a:r>
-              <a:rPr lang="en-US" dirty="0" smtClean="0"/>
+              <a:rPr lang="en-US" dirty="0"/>
               <a:t> }}</a:t>
             </a:r>
           </a:p>
           <a:p>
             <a:pPr lvl="0"/>
             <a:r>
-              <a:rPr lang="en-US" dirty="0" smtClean="0"/>
+              <a:rPr lang="en-US" dirty="0"/>
               <a:t>{% </a:t>
             </a:r>
             <a:r>
-              <a:rPr lang="en-US" dirty="0" err="1" smtClean="0"/>
+              <a:rPr lang="en-US" dirty="0" err="1"/>
               <a:t>endfor</a:t>
             </a:r>
             <a:r>
-              <a:rPr lang="en-US" dirty="0" smtClean="0"/>
+              <a:rPr lang="en-US" dirty="0"/>
               <a:t> %}</a:t>
             </a:r>
           </a:p>
@@ -3008,15 +2710,15 @@
           <a:p>
             <a:pPr lvl="0"/>
             <a:r>
-              <a:rPr lang="en-US" dirty="0" smtClean="0"/>
+              <a:rPr lang="en-US" dirty="0"/>
               <a:t>{{ </a:t>
             </a:r>
             <a:r>
-              <a:rPr lang="en-US" dirty="0" err="1" smtClean="0"/>
+              <a:rPr lang="en-US" dirty="0" err="1"/>
               <a:t>card.n_earned</a:t>
             </a:r>
             <a:r>
-              <a:rPr lang="en-US" dirty="0" smtClean="0"/>
+              <a:rPr lang="en-US" dirty="0"/>
               <a:t> }} earned posts</a:t>
             </a:r>
           </a:p>
@@ -3053,45 +2755,45 @@
           <a:p>
             <a:pPr lvl="0"/>
             <a:r>
-              <a:rPr lang="en-US" dirty="0" smtClean="0"/>
+              <a:rPr lang="en-US" dirty="0"/>
               <a:t>{% for post in </a:t>
             </a:r>
             <a:r>
-              <a:rPr lang="en-US" dirty="0" err="1" smtClean="0"/>
+              <a:rPr lang="en-US" dirty="0" err="1"/>
               <a:t>card.earned_posts</a:t>
             </a:r>
             <a:r>
-              <a:rPr lang="en-US" dirty="0" smtClean="0"/>
+              <a:rPr lang="en-US" dirty="0"/>
               <a:t> %}</a:t>
             </a:r>
           </a:p>
           <a:p>
             <a:pPr lvl="0"/>
             <a:r>
-              <a:rPr lang="en-US" dirty="0" smtClean="0"/>
+              <a:rPr lang="en-US" dirty="0"/>
               <a:t>{{ </a:t>
             </a:r>
             <a:r>
-              <a:rPr lang="en-US" dirty="0" err="1" smtClean="0"/>
+              <a:rPr lang="en-US" dirty="0" err="1"/>
               <a:t>post|as_link</a:t>
             </a:r>
             <a:r>
-              <a:rPr lang="en-US" dirty="0" smtClean="0"/>
+              <a:rPr lang="en-US" dirty="0"/>
               <a:t> }}</a:t>
             </a:r>
           </a:p>
           <a:p>
             <a:pPr lvl="0"/>
             <a:r>
-              <a:rPr lang="en-US" dirty="0" smtClean="0"/>
+              <a:rPr lang="en-US" dirty="0"/>
               <a:t>{% </a:t>
             </a:r>
             <a:r>
-              <a:rPr lang="en-US" dirty="0" err="1" smtClean="0"/>
+              <a:rPr lang="en-US" dirty="0" err="1"/>
               <a:t>endfor</a:t>
             </a:r>
             <a:r>
-              <a:rPr lang="en-US" dirty="0" smtClean="0"/>
+              <a:rPr lang="en-US" dirty="0"/>
               <a:t> %}</a:t>
             </a:r>
           </a:p>
@@ -3668,7 +3370,7 @@
       </p:grpSpPr>
       <p:sp>
         <p:nvSpPr>
-          <p:cNvPr id="2" name="Title 1"/>
+          <p:cNvPr id="46" name="Title 45"/>
           <p:cNvSpPr>
             <a:spLocks noGrp="1"/>
           </p:cNvSpPr>
@@ -3687,19 +3389,7 @@
       </p:sp>
       <p:sp>
         <p:nvSpPr>
-          <p:cNvPr id="3" name="Picture Placeholder 2"/>
-          <p:cNvSpPr>
-            <a:spLocks noGrp="1"/>
-          </p:cNvSpPr>
-          <p:nvPr>
-            <p:ph type="pic" sz="quarter" idx="10"/>
-          </p:nvPr>
-        </p:nvSpPr>
-        <p:spPr/>
-      </p:sp>
-      <p:sp>
-        <p:nvSpPr>
-          <p:cNvPr id="4" name="Text Placeholder 3"/>
+          <p:cNvPr id="47" name="Text Placeholder 46"/>
           <p:cNvSpPr>
             <a:spLocks noGrp="1"/>
           </p:cNvSpPr>
@@ -3718,19 +3408,7 @@
       </p:sp>
       <p:sp>
         <p:nvSpPr>
-          <p:cNvPr id="5" name="Picture Placeholder 4"/>
-          <p:cNvSpPr>
-            <a:spLocks noGrp="1"/>
-          </p:cNvSpPr>
-          <p:nvPr>
-            <p:ph type="pic" sz="quarter" idx="15"/>
-          </p:nvPr>
-        </p:nvSpPr>
-        <p:spPr/>
-      </p:sp>
-      <p:sp>
-        <p:nvSpPr>
-          <p:cNvPr id="6" name="Text Placeholder 5"/>
+          <p:cNvPr id="48" name="Text Placeholder 47"/>
           <p:cNvSpPr>
             <a:spLocks noGrp="1"/>
           </p:cNvSpPr>
@@ -3749,7 +3427,7 @@
       </p:sp>
       <p:sp>
         <p:nvSpPr>
-          <p:cNvPr id="7" name="Text Placeholder 6"/>
+          <p:cNvPr id="49" name="Text Placeholder 48"/>
           <p:cNvSpPr>
             <a:spLocks noGrp="1"/>
           </p:cNvSpPr>
@@ -3762,13 +3440,13 @@
           <a:bodyPr/>
           <a:lstStyle/>
           <a:p>
-            <a:endParaRPr lang="en-US" dirty="0"/>
-          </a:p>
-        </p:txBody>
-      </p:sp>
-      <p:sp>
-        <p:nvSpPr>
-          <p:cNvPr id="8" name="Text Placeholder 7"/>
+            <a:endParaRPr lang="en-US"/>
+          </a:p>
+        </p:txBody>
+      </p:sp>
+      <p:sp>
+        <p:nvSpPr>
+          <p:cNvPr id="50" name="Text Placeholder 49"/>
           <p:cNvSpPr>
             <a:spLocks noGrp="1"/>
           </p:cNvSpPr>
@@ -3787,7 +3465,7 @@
       </p:sp>
       <p:sp>
         <p:nvSpPr>
-          <p:cNvPr id="9" name="Text Placeholder 8"/>
+          <p:cNvPr id="51" name="Text Placeholder 50"/>
           <p:cNvSpPr>
             <a:spLocks noGrp="1"/>
           </p:cNvSpPr>
@@ -3806,7 +3484,7 @@
       </p:sp>
       <p:sp>
         <p:nvSpPr>
-          <p:cNvPr id="10" name="Text Placeholder 9"/>
+          <p:cNvPr id="52" name="Text Placeholder 51"/>
           <p:cNvSpPr>
             <a:spLocks noGrp="1"/>
           </p:cNvSpPr>
@@ -3825,7 +3503,7 @@
       </p:sp>
       <p:sp>
         <p:nvSpPr>
-          <p:cNvPr id="11" name="Text Placeholder 10"/>
+          <p:cNvPr id="53" name="Text Placeholder 52"/>
           <p:cNvSpPr>
             <a:spLocks noGrp="1"/>
           </p:cNvSpPr>
@@ -3844,19 +3522,7 @@
       </p:sp>
       <p:sp>
         <p:nvSpPr>
-          <p:cNvPr id="12" name="Picture Placeholder 11"/>
-          <p:cNvSpPr>
-            <a:spLocks noGrp="1"/>
-          </p:cNvSpPr>
-          <p:nvPr>
-            <p:ph type="pic" sz="quarter" idx="23"/>
-          </p:nvPr>
-        </p:nvSpPr>
-        <p:spPr/>
-      </p:sp>
-      <p:sp>
-        <p:nvSpPr>
-          <p:cNvPr id="13" name="Text Placeholder 12"/>
+          <p:cNvPr id="54" name="Text Placeholder 53"/>
           <p:cNvSpPr>
             <a:spLocks noGrp="1"/>
           </p:cNvSpPr>
@@ -3875,7 +3541,7 @@
       </p:sp>
       <p:sp>
         <p:nvSpPr>
-          <p:cNvPr id="14" name="Text Placeholder 13"/>
+          <p:cNvPr id="55" name="Text Placeholder 54"/>
           <p:cNvSpPr>
             <a:spLocks noGrp="1"/>
           </p:cNvSpPr>
@@ -3894,7 +3560,7 @@
       </p:sp>
       <p:sp>
         <p:nvSpPr>
-          <p:cNvPr id="15" name="Text Placeholder 14"/>
+          <p:cNvPr id="56" name="Text Placeholder 55"/>
           <p:cNvSpPr>
             <a:spLocks noGrp="1"/>
           </p:cNvSpPr>
@@ -3913,7 +3579,7 @@
       </p:sp>
       <p:sp>
         <p:nvSpPr>
-          <p:cNvPr id="16" name="Text Placeholder 15"/>
+          <p:cNvPr id="57" name="Text Placeholder 56"/>
           <p:cNvSpPr>
             <a:spLocks noGrp="1"/>
           </p:cNvSpPr>
@@ -3932,7 +3598,7 @@
       </p:sp>
       <p:sp>
         <p:nvSpPr>
-          <p:cNvPr id="17" name="Text Placeholder 16"/>
+          <p:cNvPr id="58" name="Text Placeholder 57"/>
           <p:cNvSpPr>
             <a:spLocks noGrp="1"/>
           </p:cNvSpPr>
@@ -3951,7 +3617,7 @@
       </p:sp>
       <p:sp>
         <p:nvSpPr>
-          <p:cNvPr id="18" name="Text Placeholder 17"/>
+          <p:cNvPr id="59" name="Text Placeholder 58"/>
           <p:cNvSpPr>
             <a:spLocks noGrp="1"/>
           </p:cNvSpPr>
@@ -3970,19 +3636,7 @@
       </p:sp>
       <p:sp>
         <p:nvSpPr>
-          <p:cNvPr id="19" name="Picture Placeholder 18"/>
-          <p:cNvSpPr>
-            <a:spLocks noGrp="1"/>
-          </p:cNvSpPr>
-          <p:nvPr>
-            <p:ph type="pic" sz="quarter" idx="30"/>
-          </p:nvPr>
-        </p:nvSpPr>
-        <p:spPr/>
-      </p:sp>
-      <p:sp>
-        <p:nvSpPr>
-          <p:cNvPr id="20" name="Text Placeholder 19"/>
+          <p:cNvPr id="60" name="Text Placeholder 59"/>
           <p:cNvSpPr>
             <a:spLocks noGrp="1"/>
           </p:cNvSpPr>
@@ -4001,7 +3655,7 @@
       </p:sp>
       <p:sp>
         <p:nvSpPr>
-          <p:cNvPr id="21" name="Text Placeholder 20"/>
+          <p:cNvPr id="61" name="Text Placeholder 60"/>
           <p:cNvSpPr>
             <a:spLocks noGrp="1"/>
           </p:cNvSpPr>
@@ -4020,7 +3674,7 @@
       </p:sp>
       <p:sp>
         <p:nvSpPr>
-          <p:cNvPr id="22" name="Text Placeholder 21"/>
+          <p:cNvPr id="62" name="Text Placeholder 61"/>
           <p:cNvSpPr>
             <a:spLocks noGrp="1"/>
           </p:cNvSpPr>
@@ -4039,7 +3693,7 @@
       </p:sp>
       <p:sp>
         <p:nvSpPr>
-          <p:cNvPr id="23" name="Text Placeholder 22"/>
+          <p:cNvPr id="63" name="Text Placeholder 62"/>
           <p:cNvSpPr>
             <a:spLocks noGrp="1"/>
           </p:cNvSpPr>
@@ -4058,7 +3712,7 @@
       </p:sp>
       <p:sp>
         <p:nvSpPr>
-          <p:cNvPr id="24" name="Text Placeholder 23"/>
+          <p:cNvPr id="64" name="Text Placeholder 63"/>
           <p:cNvSpPr>
             <a:spLocks noGrp="1"/>
           </p:cNvSpPr>
@@ -4077,7 +3731,7 @@
       </p:sp>
       <p:sp>
         <p:nvSpPr>
-          <p:cNvPr id="25" name="Text Placeholder 24"/>
+          <p:cNvPr id="65" name="Text Placeholder 64"/>
           <p:cNvSpPr>
             <a:spLocks noGrp="1"/>
           </p:cNvSpPr>
@@ -4096,19 +3750,7 @@
       </p:sp>
       <p:sp>
         <p:nvSpPr>
-          <p:cNvPr id="26" name="Picture Placeholder 25"/>
-          <p:cNvSpPr>
-            <a:spLocks noGrp="1"/>
-          </p:cNvSpPr>
-          <p:nvPr>
-            <p:ph type="pic" sz="quarter" idx="37"/>
-          </p:nvPr>
-        </p:nvSpPr>
-        <p:spPr/>
-      </p:sp>
-      <p:sp>
-        <p:nvSpPr>
-          <p:cNvPr id="27" name="Text Placeholder 26"/>
+          <p:cNvPr id="66" name="Text Placeholder 65"/>
           <p:cNvSpPr>
             <a:spLocks noGrp="1"/>
           </p:cNvSpPr>
@@ -4127,7 +3769,7 @@
       </p:sp>
       <p:sp>
         <p:nvSpPr>
-          <p:cNvPr id="28" name="Text Placeholder 27"/>
+          <p:cNvPr id="67" name="Text Placeholder 66"/>
           <p:cNvSpPr>
             <a:spLocks noGrp="1"/>
           </p:cNvSpPr>
@@ -4146,7 +3788,7 @@
       </p:sp>
       <p:sp>
         <p:nvSpPr>
-          <p:cNvPr id="29" name="Text Placeholder 28"/>
+          <p:cNvPr id="68" name="Text Placeholder 67"/>
           <p:cNvSpPr>
             <a:spLocks noGrp="1"/>
           </p:cNvSpPr>
@@ -4165,7 +3807,7 @@
       </p:sp>
       <p:sp>
         <p:nvSpPr>
-          <p:cNvPr id="30" name="Text Placeholder 29"/>
+          <p:cNvPr id="69" name="Text Placeholder 68"/>
           <p:cNvSpPr>
             <a:spLocks noGrp="1"/>
           </p:cNvSpPr>
@@ -4184,7 +3826,7 @@
       </p:sp>
       <p:sp>
         <p:nvSpPr>
-          <p:cNvPr id="31" name="Text Placeholder 30"/>
+          <p:cNvPr id="70" name="Text Placeholder 69"/>
           <p:cNvSpPr>
             <a:spLocks noGrp="1"/>
           </p:cNvSpPr>
@@ -4203,7 +3845,7 @@
       </p:sp>
       <p:sp>
         <p:nvSpPr>
-          <p:cNvPr id="32" name="Text Placeholder 31"/>
+          <p:cNvPr id="71" name="Text Placeholder 70"/>
           <p:cNvSpPr>
             <a:spLocks noGrp="1"/>
           </p:cNvSpPr>
@@ -4222,19 +3864,7 @@
       </p:sp>
       <p:sp>
         <p:nvSpPr>
-          <p:cNvPr id="33" name="Picture Placeholder 32"/>
-          <p:cNvSpPr>
-            <a:spLocks noGrp="1"/>
-          </p:cNvSpPr>
-          <p:nvPr>
-            <p:ph type="pic" sz="quarter" idx="44"/>
-          </p:nvPr>
-        </p:nvSpPr>
-        <p:spPr/>
-      </p:sp>
-      <p:sp>
-        <p:nvSpPr>
-          <p:cNvPr id="34" name="Text Placeholder 33"/>
+          <p:cNvPr id="72" name="Text Placeholder 71"/>
           <p:cNvSpPr>
             <a:spLocks noGrp="1"/>
           </p:cNvSpPr>
@@ -4253,7 +3883,7 @@
       </p:sp>
       <p:sp>
         <p:nvSpPr>
-          <p:cNvPr id="35" name="Text Placeholder 34"/>
+          <p:cNvPr id="73" name="Text Placeholder 72"/>
           <p:cNvSpPr>
             <a:spLocks noGrp="1"/>
           </p:cNvSpPr>
@@ -4272,7 +3902,7 @@
       </p:sp>
       <p:sp>
         <p:nvSpPr>
-          <p:cNvPr id="36" name="Text Placeholder 35"/>
+          <p:cNvPr id="74" name="Text Placeholder 73"/>
           <p:cNvSpPr>
             <a:spLocks noGrp="1"/>
           </p:cNvSpPr>
@@ -4291,7 +3921,7 @@
       </p:sp>
       <p:sp>
         <p:nvSpPr>
-          <p:cNvPr id="37" name="Text Placeholder 36"/>
+          <p:cNvPr id="75" name="Text Placeholder 74"/>
           <p:cNvSpPr>
             <a:spLocks noGrp="1"/>
           </p:cNvSpPr>
@@ -4310,7 +3940,7 @@
       </p:sp>
       <p:sp>
         <p:nvSpPr>
-          <p:cNvPr id="38" name="Text Placeholder 37"/>
+          <p:cNvPr id="76" name="Text Placeholder 75"/>
           <p:cNvSpPr>
             <a:spLocks noGrp="1"/>
           </p:cNvSpPr>
@@ -4329,7 +3959,7 @@
       </p:sp>
       <p:sp>
         <p:nvSpPr>
-          <p:cNvPr id="39" name="Text Placeholder 38"/>
+          <p:cNvPr id="77" name="Text Placeholder 76"/>
           <p:cNvSpPr>
             <a:spLocks noGrp="1"/>
           </p:cNvSpPr>
@@ -4348,19 +3978,7 @@
       </p:sp>
       <p:sp>
         <p:nvSpPr>
-          <p:cNvPr id="40" name="Picture Placeholder 39"/>
-          <p:cNvSpPr>
-            <a:spLocks noGrp="1"/>
-          </p:cNvSpPr>
-          <p:nvPr>
-            <p:ph type="pic" sz="quarter" idx="51"/>
-          </p:nvPr>
-        </p:nvSpPr>
-        <p:spPr/>
-      </p:sp>
-      <p:sp>
-        <p:nvSpPr>
-          <p:cNvPr id="41" name="Text Placeholder 40"/>
+          <p:cNvPr id="78" name="Text Placeholder 77"/>
           <p:cNvSpPr>
             <a:spLocks noGrp="1"/>
           </p:cNvSpPr>
@@ -4379,7 +3997,7 @@
       </p:sp>
       <p:sp>
         <p:nvSpPr>
-          <p:cNvPr id="42" name="Text Placeholder 41"/>
+          <p:cNvPr id="79" name="Text Placeholder 78"/>
           <p:cNvSpPr>
             <a:spLocks noGrp="1"/>
           </p:cNvSpPr>
@@ -4398,7 +4016,7 @@
       </p:sp>
       <p:sp>
         <p:nvSpPr>
-          <p:cNvPr id="43" name="Text Placeholder 42"/>
+          <p:cNvPr id="80" name="Text Placeholder 79"/>
           <p:cNvSpPr>
             <a:spLocks noGrp="1"/>
           </p:cNvSpPr>
@@ -4417,7 +4035,7 @@
       </p:sp>
       <p:sp>
         <p:nvSpPr>
-          <p:cNvPr id="44" name="Text Placeholder 43"/>
+          <p:cNvPr id="81" name="Text Placeholder 80"/>
           <p:cNvSpPr>
             <a:spLocks noGrp="1"/>
           </p:cNvSpPr>
@@ -4436,7 +4054,7 @@
       </p:sp>
       <p:sp>
         <p:nvSpPr>
-          <p:cNvPr id="45" name="Text Placeholder 44"/>
+          <p:cNvPr id="82" name="Text Placeholder 81"/>
           <p:cNvSpPr>
             <a:spLocks noGrp="1"/>
           </p:cNvSpPr>
